--- a/assets/000.pptx
+++ b/assets/000.pptx
@@ -248,7 +248,7 @@
           <a:p>
             <a:fld id="{34F7F582-DE74-46A6-8580-E922B76979F9}" type="datetimeFigureOut">
               <a:rPr lang="zh-CN" altLang="en-US" smtClean="0"/>
-              <a:t>2022/5/10</a:t>
+              <a:t>2022/5/20</a:t>
             </a:fld>
             <a:endParaRPr lang="zh-CN" altLang="en-US"/>
           </a:p>
@@ -418,7 +418,7 @@
           <a:p>
             <a:fld id="{34F7F582-DE74-46A6-8580-E922B76979F9}" type="datetimeFigureOut">
               <a:rPr lang="zh-CN" altLang="en-US" smtClean="0"/>
-              <a:t>2022/5/10</a:t>
+              <a:t>2022/5/20</a:t>
             </a:fld>
             <a:endParaRPr lang="zh-CN" altLang="en-US"/>
           </a:p>
@@ -598,7 +598,7 @@
           <a:p>
             <a:fld id="{34F7F582-DE74-46A6-8580-E922B76979F9}" type="datetimeFigureOut">
               <a:rPr lang="zh-CN" altLang="en-US" smtClean="0"/>
-              <a:t>2022/5/10</a:t>
+              <a:t>2022/5/20</a:t>
             </a:fld>
             <a:endParaRPr lang="zh-CN" altLang="en-US"/>
           </a:p>
@@ -768,7 +768,7 @@
           <a:p>
             <a:fld id="{34F7F582-DE74-46A6-8580-E922B76979F9}" type="datetimeFigureOut">
               <a:rPr lang="zh-CN" altLang="en-US" smtClean="0"/>
-              <a:t>2022/5/10</a:t>
+              <a:t>2022/5/20</a:t>
             </a:fld>
             <a:endParaRPr lang="zh-CN" altLang="en-US"/>
           </a:p>
@@ -1012,7 +1012,7 @@
           <a:p>
             <a:fld id="{34F7F582-DE74-46A6-8580-E922B76979F9}" type="datetimeFigureOut">
               <a:rPr lang="zh-CN" altLang="en-US" smtClean="0"/>
-              <a:t>2022/5/10</a:t>
+              <a:t>2022/5/20</a:t>
             </a:fld>
             <a:endParaRPr lang="zh-CN" altLang="en-US"/>
           </a:p>
@@ -1244,7 +1244,7 @@
           <a:p>
             <a:fld id="{34F7F582-DE74-46A6-8580-E922B76979F9}" type="datetimeFigureOut">
               <a:rPr lang="zh-CN" altLang="en-US" smtClean="0"/>
-              <a:t>2022/5/10</a:t>
+              <a:t>2022/5/20</a:t>
             </a:fld>
             <a:endParaRPr lang="zh-CN" altLang="en-US"/>
           </a:p>
@@ -1611,7 +1611,7 @@
           <a:p>
             <a:fld id="{34F7F582-DE74-46A6-8580-E922B76979F9}" type="datetimeFigureOut">
               <a:rPr lang="zh-CN" altLang="en-US" smtClean="0"/>
-              <a:t>2022/5/10</a:t>
+              <a:t>2022/5/20</a:t>
             </a:fld>
             <a:endParaRPr lang="zh-CN" altLang="en-US"/>
           </a:p>
@@ -1729,7 +1729,7 @@
           <a:p>
             <a:fld id="{34F7F582-DE74-46A6-8580-E922B76979F9}" type="datetimeFigureOut">
               <a:rPr lang="zh-CN" altLang="en-US" smtClean="0"/>
-              <a:t>2022/5/10</a:t>
+              <a:t>2022/5/20</a:t>
             </a:fld>
             <a:endParaRPr lang="zh-CN" altLang="en-US"/>
           </a:p>
@@ -1824,7 +1824,7 @@
           <a:p>
             <a:fld id="{34F7F582-DE74-46A6-8580-E922B76979F9}" type="datetimeFigureOut">
               <a:rPr lang="zh-CN" altLang="en-US" smtClean="0"/>
-              <a:t>2022/5/10</a:t>
+              <a:t>2022/5/20</a:t>
             </a:fld>
             <a:endParaRPr lang="zh-CN" altLang="en-US"/>
           </a:p>
@@ -2101,7 +2101,7 @@
           <a:p>
             <a:fld id="{34F7F582-DE74-46A6-8580-E922B76979F9}" type="datetimeFigureOut">
               <a:rPr lang="zh-CN" altLang="en-US" smtClean="0"/>
-              <a:t>2022/5/10</a:t>
+              <a:t>2022/5/20</a:t>
             </a:fld>
             <a:endParaRPr lang="zh-CN" altLang="en-US"/>
           </a:p>
@@ -2358,7 +2358,7 @@
           <a:p>
             <a:fld id="{34F7F582-DE74-46A6-8580-E922B76979F9}" type="datetimeFigureOut">
               <a:rPr lang="zh-CN" altLang="en-US" smtClean="0"/>
-              <a:t>2022/5/10</a:t>
+              <a:t>2022/5/20</a:t>
             </a:fld>
             <a:endParaRPr lang="zh-CN" altLang="en-US"/>
           </a:p>
@@ -2571,7 +2571,7 @@
           <a:p>
             <a:fld id="{34F7F582-DE74-46A6-8580-E922B76979F9}" type="datetimeFigureOut">
               <a:rPr lang="zh-CN" altLang="en-US" smtClean="0"/>
-              <a:t>2022/5/10</a:t>
+              <a:t>2022/5/20</a:t>
             </a:fld>
             <a:endParaRPr lang="zh-CN" altLang="en-US"/>
           </a:p>
@@ -16227,8 +16227,8 @@
           <a:chExt cx="0" cy="0"/>
         </a:xfrm>
       </p:grpSpPr>
-      <mc:AlternateContent xmlns:mc="http://schemas.openxmlformats.org/markup-compatibility/2006">
-        <mc:Choice xmlns:a14="http://schemas.microsoft.com/office/drawing/2010/main" Requires="a14">
+      <mc:AlternateContent xmlns:mc="http://schemas.openxmlformats.org/markup-compatibility/2006" xmlns:a14="http://schemas.microsoft.com/office/drawing/2010/main">
+        <mc:Choice Requires="a14">
           <p:sp>
             <p:nvSpPr>
               <p:cNvPr id="96" name="文本框 95">
@@ -16257,6 +16257,7 @@
               </a:bodyPr>
               <a:lstStyle/>
               <a:p>
+                <a:pPr/>
                 <a14:m>
                   <m:oMathPara xmlns:m="http://schemas.openxmlformats.org/officeDocument/2006/math">
                     <m:oMathParaPr>
@@ -16324,7 +16325,7 @@
             </p:txBody>
           </p:sp>
         </mc:Choice>
-        <mc:Fallback>
+        <mc:Fallback xmlns="">
           <p:sp>
             <p:nvSpPr>
               <p:cNvPr id="96" name="文本框 95">
@@ -16607,42 +16608,6 @@
           </a:fontRef>
         </p:style>
       </p:cxnSp>
-      <p:sp>
-        <p:nvSpPr>
-          <p:cNvPr id="2" name="文本框 1">
-            <a:extLst>
-              <a:ext uri="{FF2B5EF4-FFF2-40B4-BE49-F238E27FC236}">
-                <a16:creationId xmlns:a16="http://schemas.microsoft.com/office/drawing/2014/main" id="{1352258F-BA29-BB02-29E6-6DDE9BA9364A}"/>
-              </a:ext>
-            </a:extLst>
-          </p:cNvPr>
-          <p:cNvSpPr txBox="1"/>
-          <p:nvPr/>
-        </p:nvSpPr>
-        <p:spPr>
-          <a:xfrm>
-            <a:off x="262218" y="248770"/>
-            <a:ext cx="875561" cy="461665"/>
-          </a:xfrm>
-          <a:prstGeom prst="rect">
-            <a:avLst/>
-          </a:prstGeom>
-          <a:noFill/>
-        </p:spPr>
-        <p:txBody>
-          <a:bodyPr wrap="none" rtlCol="0">
-            <a:spAutoFit/>
-          </a:bodyPr>
-          <a:lstStyle/>
-          <a:p>
-            <a:r>
-              <a:rPr lang="en-US" altLang="zh-CN" sz="2400" b="1" dirty="0"/>
-              <a:t>HW 5</a:t>
-            </a:r>
-            <a:endParaRPr lang="zh-CN" altLang="en-US" sz="2400" b="1" dirty="0"/>
-          </a:p>
-        </p:txBody>
-      </p:sp>
       <p:grpSp>
         <p:nvGrpSpPr>
           <p:cNvPr id="36" name="组合 35">
@@ -16857,8 +16822,8 @@
             </a:fontRef>
           </p:style>
         </p:cxnSp>
-        <mc:AlternateContent xmlns:mc="http://schemas.openxmlformats.org/markup-compatibility/2006">
-          <mc:Choice xmlns:a14="http://schemas.microsoft.com/office/drawing/2010/main" Requires="a14">
+        <mc:AlternateContent xmlns:mc="http://schemas.openxmlformats.org/markup-compatibility/2006" xmlns:a14="http://schemas.microsoft.com/office/drawing/2010/main">
+          <mc:Choice Requires="a14">
             <p:sp>
               <p:nvSpPr>
                 <p:cNvPr id="11" name="文本框 10">
@@ -16887,6 +16852,7 @@
                 </a:bodyPr>
                 <a:lstStyle/>
                 <a:p>
+                  <a:pPr/>
                   <a14:m>
                     <m:oMathPara xmlns:m="http://schemas.openxmlformats.org/officeDocument/2006/math">
                       <m:oMathParaPr>
@@ -16907,7 +16873,7 @@
               </p:txBody>
             </p:sp>
           </mc:Choice>
-          <mc:Fallback>
+          <mc:Fallback xmlns="">
             <p:sp>
               <p:nvSpPr>
                 <p:cNvPr id="11" name="文本框 10">
@@ -16952,8 +16918,8 @@
             </p:sp>
           </mc:Fallback>
         </mc:AlternateContent>
-        <mc:AlternateContent xmlns:mc="http://schemas.openxmlformats.org/markup-compatibility/2006">
-          <mc:Choice xmlns:a14="http://schemas.microsoft.com/office/drawing/2010/main" Requires="a14">
+        <mc:AlternateContent xmlns:mc="http://schemas.openxmlformats.org/markup-compatibility/2006" xmlns:a14="http://schemas.microsoft.com/office/drawing/2010/main">
+          <mc:Choice Requires="a14">
             <p:sp>
               <p:nvSpPr>
                 <p:cNvPr id="12" name="文本框 11">
@@ -16982,6 +16948,7 @@
                 </a:bodyPr>
                 <a:lstStyle/>
                 <a:p>
+                  <a:pPr/>
                   <a14:m>
                     <m:oMathPara xmlns:m="http://schemas.openxmlformats.org/officeDocument/2006/math">
                       <m:oMathParaPr>
@@ -17002,7 +16969,7 @@
               </p:txBody>
             </p:sp>
           </mc:Choice>
-          <mc:Fallback>
+          <mc:Fallback xmlns="">
             <p:sp>
               <p:nvSpPr>
                 <p:cNvPr id="12" name="文本框 11">
@@ -17047,8 +17014,8 @@
             </p:sp>
           </mc:Fallback>
         </mc:AlternateContent>
-        <mc:AlternateContent xmlns:mc="http://schemas.openxmlformats.org/markup-compatibility/2006">
-          <mc:Choice xmlns:a14="http://schemas.microsoft.com/office/drawing/2010/main" Requires="a14">
+        <mc:AlternateContent xmlns:mc="http://schemas.openxmlformats.org/markup-compatibility/2006" xmlns:a14="http://schemas.microsoft.com/office/drawing/2010/main">
+          <mc:Choice Requires="a14">
             <p:sp>
               <p:nvSpPr>
                 <p:cNvPr id="13" name="文本框 12">
@@ -17077,6 +17044,7 @@
                 </a:bodyPr>
                 <a:lstStyle/>
                 <a:p>
+                  <a:pPr/>
                   <a14:m>
                     <m:oMathPara xmlns:m="http://schemas.openxmlformats.org/officeDocument/2006/math">
                       <m:oMathParaPr>
@@ -17103,7 +17071,7 @@
               </p:txBody>
             </p:sp>
           </mc:Choice>
-          <mc:Fallback>
+          <mc:Fallback xmlns="">
             <p:sp>
               <p:nvSpPr>
                 <p:cNvPr id="13" name="文本框 12">
@@ -17148,8 +17116,8 @@
             </p:sp>
           </mc:Fallback>
         </mc:AlternateContent>
-        <mc:AlternateContent xmlns:mc="http://schemas.openxmlformats.org/markup-compatibility/2006">
-          <mc:Choice xmlns:a14="http://schemas.microsoft.com/office/drawing/2010/main" Requires="a14">
+        <mc:AlternateContent xmlns:mc="http://schemas.openxmlformats.org/markup-compatibility/2006" xmlns:a14="http://schemas.microsoft.com/office/drawing/2010/main">
+          <mc:Choice Requires="a14">
             <p:sp>
               <p:nvSpPr>
                 <p:cNvPr id="14" name="文本框 13">
@@ -17178,6 +17146,7 @@
                 </a:bodyPr>
                 <a:lstStyle/>
                 <a:p>
+                  <a:pPr/>
                   <a14:m>
                     <m:oMathPara xmlns:m="http://schemas.openxmlformats.org/officeDocument/2006/math">
                       <m:oMathParaPr>
@@ -17198,7 +17167,7 @@
               </p:txBody>
             </p:sp>
           </mc:Choice>
-          <mc:Fallback>
+          <mc:Fallback xmlns="">
             <p:sp>
               <p:nvSpPr>
                 <p:cNvPr id="14" name="文本框 13">
@@ -17243,8 +17212,8 @@
             </p:sp>
           </mc:Fallback>
         </mc:AlternateContent>
-        <mc:AlternateContent xmlns:mc="http://schemas.openxmlformats.org/markup-compatibility/2006">
-          <mc:Choice xmlns:a14="http://schemas.microsoft.com/office/drawing/2010/main" Requires="a14">
+        <mc:AlternateContent xmlns:mc="http://schemas.openxmlformats.org/markup-compatibility/2006" xmlns:a14="http://schemas.microsoft.com/office/drawing/2010/main">
+          <mc:Choice Requires="a14">
             <p:sp>
               <p:nvSpPr>
                 <p:cNvPr id="15" name="文本框 14">
@@ -17273,6 +17242,7 @@
                 </a:bodyPr>
                 <a:lstStyle/>
                 <a:p>
+                  <a:pPr/>
                   <a14:m>
                     <m:oMathPara xmlns:m="http://schemas.openxmlformats.org/officeDocument/2006/math">
                       <m:oMathParaPr>
@@ -17293,7 +17263,7 @@
               </p:txBody>
             </p:sp>
           </mc:Choice>
-          <mc:Fallback>
+          <mc:Fallback xmlns="">
             <p:sp>
               <p:nvSpPr>
                 <p:cNvPr id="15" name="文本框 14">
@@ -17379,8 +17349,8 @@
             </a:fontRef>
           </p:style>
         </p:cxnSp>
-        <mc:AlternateContent xmlns:mc="http://schemas.openxmlformats.org/markup-compatibility/2006">
-          <mc:Choice xmlns:a14="http://schemas.microsoft.com/office/drawing/2010/main" Requires="a14">
+        <mc:AlternateContent xmlns:mc="http://schemas.openxmlformats.org/markup-compatibility/2006" xmlns:a14="http://schemas.microsoft.com/office/drawing/2010/main">
+          <mc:Choice Requires="a14">
             <p:sp>
               <p:nvSpPr>
                 <p:cNvPr id="18" name="文本框 17">
@@ -17409,6 +17379,7 @@
                 </a:bodyPr>
                 <a:lstStyle/>
                 <a:p>
+                  <a:pPr/>
                   <a14:m>
                     <m:oMathPara xmlns:m="http://schemas.openxmlformats.org/officeDocument/2006/math">
                       <m:oMathParaPr>
@@ -17448,7 +17419,7 @@
               </p:txBody>
             </p:sp>
           </mc:Choice>
-          <mc:Fallback>
+          <mc:Fallback xmlns="">
             <p:sp>
               <p:nvSpPr>
                 <p:cNvPr id="18" name="文本框 17">
@@ -17711,8 +17682,8 @@
             </a:fontRef>
           </p:style>
         </p:cxnSp>
-        <mc:AlternateContent xmlns:mc="http://schemas.openxmlformats.org/markup-compatibility/2006">
-          <mc:Choice xmlns:a14="http://schemas.microsoft.com/office/drawing/2010/main" Requires="a14">
+        <mc:AlternateContent xmlns:mc="http://schemas.openxmlformats.org/markup-compatibility/2006" xmlns:a14="http://schemas.microsoft.com/office/drawing/2010/main">
+          <mc:Choice Requires="a14">
             <p:sp>
               <p:nvSpPr>
                 <p:cNvPr id="27" name="文本框 26">
@@ -17741,6 +17712,7 @@
                 </a:bodyPr>
                 <a:lstStyle/>
                 <a:p>
+                  <a:pPr/>
                   <a14:m>
                     <m:oMathPara xmlns:m="http://schemas.openxmlformats.org/officeDocument/2006/math">
                       <m:oMathParaPr>
@@ -17761,7 +17733,7 @@
               </p:txBody>
             </p:sp>
           </mc:Choice>
-          <mc:Fallback>
+          <mc:Fallback xmlns="">
             <p:sp>
               <p:nvSpPr>
                 <p:cNvPr id="27" name="文本框 26">
@@ -17853,8 +17825,8 @@
             </a:p>
           </p:txBody>
         </p:sp>
-        <mc:AlternateContent xmlns:mc="http://schemas.openxmlformats.org/markup-compatibility/2006">
-          <mc:Choice xmlns:a14="http://schemas.microsoft.com/office/drawing/2010/main" Requires="a14">
+        <mc:AlternateContent xmlns:mc="http://schemas.openxmlformats.org/markup-compatibility/2006" xmlns:a14="http://schemas.microsoft.com/office/drawing/2010/main">
+          <mc:Choice Requires="a14">
             <p:sp>
               <p:nvSpPr>
                 <p:cNvPr id="29" name="文本框 28">
@@ -17883,6 +17855,7 @@
                 </a:bodyPr>
                 <a:lstStyle/>
                 <a:p>
+                  <a:pPr/>
                   <a14:m>
                     <m:oMathPara xmlns:m="http://schemas.openxmlformats.org/officeDocument/2006/math">
                       <m:oMathParaPr>
@@ -17922,7 +17895,7 @@
               </p:txBody>
             </p:sp>
           </mc:Choice>
-          <mc:Fallback>
+          <mc:Fallback xmlns="">
             <p:sp>
               <p:nvSpPr>
                 <p:cNvPr id="29" name="文本框 28">
@@ -18009,8 +17982,8 @@
             </a:fontRef>
           </p:style>
         </p:cxnSp>
-        <mc:AlternateContent xmlns:mc="http://schemas.openxmlformats.org/markup-compatibility/2006">
-          <mc:Choice xmlns:a14="http://schemas.microsoft.com/office/drawing/2010/main" Requires="a14">
+        <mc:AlternateContent xmlns:mc="http://schemas.openxmlformats.org/markup-compatibility/2006" xmlns:a14="http://schemas.microsoft.com/office/drawing/2010/main">
+          <mc:Choice Requires="a14">
             <p:sp>
               <p:nvSpPr>
                 <p:cNvPr id="33" name="文本框 32">
@@ -18083,7 +18056,7 @@
               </p:txBody>
             </p:sp>
           </mc:Choice>
-          <mc:Fallback>
+          <mc:Fallback xmlns="">
             <p:sp>
               <p:nvSpPr>
                 <p:cNvPr id="33" name="文本框 32">
@@ -18128,8 +18101,8 @@
             </p:sp>
           </mc:Fallback>
         </mc:AlternateContent>
-        <mc:AlternateContent xmlns:mc="http://schemas.openxmlformats.org/markup-compatibility/2006">
-          <mc:Choice xmlns:a14="http://schemas.microsoft.com/office/drawing/2010/main" Requires="a14">
+        <mc:AlternateContent xmlns:mc="http://schemas.openxmlformats.org/markup-compatibility/2006" xmlns:a14="http://schemas.microsoft.com/office/drawing/2010/main">
+          <mc:Choice Requires="a14">
             <p:sp>
               <p:nvSpPr>
                 <p:cNvPr id="34" name="文本框 33">
@@ -18158,6 +18131,7 @@
                 </a:bodyPr>
                 <a:lstStyle/>
                 <a:p>
+                  <a:pPr/>
                   <a14:m>
                     <m:oMathPara xmlns:m="http://schemas.openxmlformats.org/officeDocument/2006/math">
                       <m:oMathParaPr>
@@ -18484,7 +18458,7 @@
               </p:txBody>
             </p:sp>
           </mc:Choice>
-          <mc:Fallback>
+          <mc:Fallback xmlns="">
             <p:sp>
               <p:nvSpPr>
                 <p:cNvPr id="34" name="文本框 33">
@@ -18529,8 +18503,8 @@
             </p:sp>
           </mc:Fallback>
         </mc:AlternateContent>
-        <mc:AlternateContent xmlns:mc="http://schemas.openxmlformats.org/markup-compatibility/2006">
-          <mc:Choice xmlns:a14="http://schemas.microsoft.com/office/drawing/2010/main" Requires="a14">
+        <mc:AlternateContent xmlns:mc="http://schemas.openxmlformats.org/markup-compatibility/2006" xmlns:a14="http://schemas.microsoft.com/office/drawing/2010/main">
+          <mc:Choice Requires="a14">
             <p:sp>
               <p:nvSpPr>
                 <p:cNvPr id="40" name="文本框 39">
@@ -18559,6 +18533,7 @@
                 </a:bodyPr>
                 <a:lstStyle/>
                 <a:p>
+                  <a:pPr/>
                   <a14:m>
                     <m:oMathPara xmlns:m="http://schemas.openxmlformats.org/officeDocument/2006/math">
                       <m:oMathParaPr>
@@ -18601,7 +18576,7 @@
               </p:txBody>
             </p:sp>
           </mc:Choice>
-          <mc:Fallback>
+          <mc:Fallback xmlns="">
             <p:sp>
               <p:nvSpPr>
                 <p:cNvPr id="40" name="文本框 39">
@@ -18928,8 +18903,8 @@
           </a:fontRef>
         </p:style>
       </p:cxnSp>
-      <mc:AlternateContent xmlns:mc="http://schemas.openxmlformats.org/markup-compatibility/2006">
-        <mc:Choice xmlns:a14="http://schemas.microsoft.com/office/drawing/2010/main" Requires="a14">
+      <mc:AlternateContent xmlns:mc="http://schemas.openxmlformats.org/markup-compatibility/2006" xmlns:a14="http://schemas.microsoft.com/office/drawing/2010/main">
+        <mc:Choice Requires="a14">
           <p:sp>
             <p:nvSpPr>
               <p:cNvPr id="52" name="文本框 51">
@@ -18958,6 +18933,7 @@
               </a:bodyPr>
               <a:lstStyle/>
               <a:p>
+                <a:pPr/>
                 <a14:m>
                   <m:oMathPara xmlns:m="http://schemas.openxmlformats.org/officeDocument/2006/math">
                     <m:oMathParaPr>
@@ -19000,7 +18976,7 @@
             </p:txBody>
           </p:sp>
         </mc:Choice>
-        <mc:Fallback>
+        <mc:Fallback xmlns="">
           <p:sp>
             <p:nvSpPr>
               <p:cNvPr id="52" name="文本框 51">
@@ -19045,8 +19021,8 @@
           </p:sp>
         </mc:Fallback>
       </mc:AlternateContent>
-      <mc:AlternateContent xmlns:mc="http://schemas.openxmlformats.org/markup-compatibility/2006">
-        <mc:Choice xmlns:a14="http://schemas.microsoft.com/office/drawing/2010/main" Requires="a14">
+      <mc:AlternateContent xmlns:mc="http://schemas.openxmlformats.org/markup-compatibility/2006" xmlns:a14="http://schemas.microsoft.com/office/drawing/2010/main">
+        <mc:Choice Requires="a14">
           <p:sp>
             <p:nvSpPr>
               <p:cNvPr id="53" name="文本框 52">
@@ -19075,6 +19051,7 @@
               </a:bodyPr>
               <a:lstStyle/>
               <a:p>
+                <a:pPr/>
                 <a14:m>
                   <m:oMathPara xmlns:m="http://schemas.openxmlformats.org/officeDocument/2006/math">
                     <m:oMathParaPr>
@@ -19102,7 +19079,7 @@
             </p:txBody>
           </p:sp>
         </mc:Choice>
-        <mc:Fallback>
+        <mc:Fallback xmlns="">
           <p:sp>
             <p:nvSpPr>
               <p:cNvPr id="53" name="文本框 52">
@@ -19234,8 +19211,8 @@
           </a:fontRef>
         </p:style>
       </p:cxnSp>
-      <mc:AlternateContent xmlns:mc="http://schemas.openxmlformats.org/markup-compatibility/2006">
-        <mc:Choice xmlns:a14="http://schemas.microsoft.com/office/drawing/2010/main" Requires="a14">
+      <mc:AlternateContent xmlns:mc="http://schemas.openxmlformats.org/markup-compatibility/2006" xmlns:a14="http://schemas.microsoft.com/office/drawing/2010/main">
+        <mc:Choice Requires="a14">
           <p:sp>
             <p:nvSpPr>
               <p:cNvPr id="60" name="文本框 59">
@@ -19264,6 +19241,7 @@
               </a:bodyPr>
               <a:lstStyle/>
               <a:p>
+                <a:pPr/>
                 <a14:m>
                   <m:oMathPara xmlns:m="http://schemas.openxmlformats.org/officeDocument/2006/math">
                     <m:oMathParaPr>
@@ -19312,7 +19290,7 @@
             </p:txBody>
           </p:sp>
         </mc:Choice>
-        <mc:Fallback>
+        <mc:Fallback xmlns="">
           <p:sp>
             <p:nvSpPr>
               <p:cNvPr id="60" name="文本框 59">
@@ -19458,8 +19436,8 @@
           </a:fontRef>
         </p:style>
       </p:cxnSp>
-      <mc:AlternateContent xmlns:mc="http://schemas.openxmlformats.org/markup-compatibility/2006">
-        <mc:Choice xmlns:a14="http://schemas.microsoft.com/office/drawing/2010/main" Requires="a14">
+      <mc:AlternateContent xmlns:mc="http://schemas.openxmlformats.org/markup-compatibility/2006" xmlns:a14="http://schemas.microsoft.com/office/drawing/2010/main">
+        <mc:Choice Requires="a14">
           <p:sp>
             <p:nvSpPr>
               <p:cNvPr id="66" name="文本框 65">
@@ -19488,6 +19466,7 @@
               </a:bodyPr>
               <a:lstStyle/>
               <a:p>
+                <a:pPr/>
                 <a14:m>
                   <m:oMathPara xmlns:m="http://schemas.openxmlformats.org/officeDocument/2006/math">
                     <m:oMathParaPr>
@@ -19590,7 +19569,7 @@
             </p:txBody>
           </p:sp>
         </mc:Choice>
-        <mc:Fallback>
+        <mc:Fallback xmlns="">
           <p:sp>
             <p:nvSpPr>
               <p:cNvPr id="66" name="文本框 65">
@@ -19635,8 +19614,8 @@
           </p:sp>
         </mc:Fallback>
       </mc:AlternateContent>
-      <mc:AlternateContent xmlns:mc="http://schemas.openxmlformats.org/markup-compatibility/2006">
-        <mc:Choice xmlns:a14="http://schemas.microsoft.com/office/drawing/2010/main" Requires="a14">
+      <mc:AlternateContent xmlns:mc="http://schemas.openxmlformats.org/markup-compatibility/2006" xmlns:a14="http://schemas.microsoft.com/office/drawing/2010/main">
+        <mc:Choice Requires="a14">
           <p:sp>
             <p:nvSpPr>
               <p:cNvPr id="67" name="文本框 66">
@@ -19665,6 +19644,7 @@
               </a:bodyPr>
               <a:lstStyle/>
               <a:p>
+                <a:pPr/>
                 <a14:m>
                   <m:oMathPara xmlns:m="http://schemas.openxmlformats.org/officeDocument/2006/math">
                     <m:oMathParaPr>
@@ -19820,6 +19800,7 @@
                 </a:endParaRPr>
               </a:p>
               <a:p>
+                <a:pPr/>
                 <a14:m>
                   <m:oMathPara xmlns:m="http://schemas.openxmlformats.org/officeDocument/2006/math">
                     <m:oMathParaPr>
@@ -19845,6 +19826,7 @@
                 </a:endParaRPr>
               </a:p>
               <a:p>
+                <a:pPr/>
                 <a14:m>
                   <m:oMathPara xmlns:m="http://schemas.openxmlformats.org/officeDocument/2006/math">
                     <m:oMathParaPr>
@@ -20126,7 +20108,7 @@
             </p:txBody>
           </p:sp>
         </mc:Choice>
-        <mc:Fallback>
+        <mc:Fallback xmlns="">
           <p:sp>
             <p:nvSpPr>
               <p:cNvPr id="67" name="文本框 66">
@@ -20278,8 +20260,8 @@
           </a:fontRef>
         </p:style>
       </p:cxnSp>
-      <mc:AlternateContent xmlns:mc="http://schemas.openxmlformats.org/markup-compatibility/2006">
-        <mc:Choice xmlns:a14="http://schemas.microsoft.com/office/drawing/2010/main" Requires="a14">
+      <mc:AlternateContent xmlns:mc="http://schemas.openxmlformats.org/markup-compatibility/2006" xmlns:a14="http://schemas.microsoft.com/office/drawing/2010/main">
+        <mc:Choice Requires="a14">
           <p:sp>
             <p:nvSpPr>
               <p:cNvPr id="78" name="文本框 77">
@@ -20308,6 +20290,7 @@
               </a:bodyPr>
               <a:lstStyle/>
               <a:p>
+                <a:pPr/>
                 <a14:m>
                   <m:oMathPara xmlns:m="http://schemas.openxmlformats.org/officeDocument/2006/math">
                     <m:oMathParaPr>
@@ -20375,7 +20358,7 @@
             </p:txBody>
           </p:sp>
         </mc:Choice>
-        <mc:Fallback>
+        <mc:Fallback xmlns="">
           <p:sp>
             <p:nvSpPr>
               <p:cNvPr id="78" name="文本框 77">
@@ -20420,8 +20403,8 @@
           </p:sp>
         </mc:Fallback>
       </mc:AlternateContent>
-      <mc:AlternateContent xmlns:mc="http://schemas.openxmlformats.org/markup-compatibility/2006">
-        <mc:Choice xmlns:a14="http://schemas.microsoft.com/office/drawing/2010/main" Requires="a14">
+      <mc:AlternateContent xmlns:mc="http://schemas.openxmlformats.org/markup-compatibility/2006" xmlns:a14="http://schemas.microsoft.com/office/drawing/2010/main">
+        <mc:Choice Requires="a14">
           <p:sp>
             <p:nvSpPr>
               <p:cNvPr id="79" name="文本框 78">
@@ -20450,6 +20433,7 @@
               </a:bodyPr>
               <a:lstStyle/>
               <a:p>
+                <a:pPr/>
                 <a14:m>
                   <m:oMathPara xmlns:m="http://schemas.openxmlformats.org/officeDocument/2006/math">
                     <m:oMathParaPr>
@@ -20517,7 +20501,7 @@
             </p:txBody>
           </p:sp>
         </mc:Choice>
-        <mc:Fallback>
+        <mc:Fallback xmlns="">
           <p:sp>
             <p:nvSpPr>
               <p:cNvPr id="79" name="文本框 78">
@@ -20562,8 +20546,8 @@
           </p:sp>
         </mc:Fallback>
       </mc:AlternateContent>
-      <mc:AlternateContent xmlns:mc="http://schemas.openxmlformats.org/markup-compatibility/2006">
-        <mc:Choice xmlns:a14="http://schemas.microsoft.com/office/drawing/2010/main" Requires="a14">
+      <mc:AlternateContent xmlns:mc="http://schemas.openxmlformats.org/markup-compatibility/2006" xmlns:a14="http://schemas.microsoft.com/office/drawing/2010/main">
+        <mc:Choice Requires="a14">
           <p:sp>
             <p:nvSpPr>
               <p:cNvPr id="80" name="文本框 79">
@@ -20592,6 +20576,7 @@
               </a:bodyPr>
               <a:lstStyle/>
               <a:p>
+                <a:pPr/>
                 <a14:m>
                   <m:oMathPara xmlns:m="http://schemas.openxmlformats.org/officeDocument/2006/math">
                     <m:oMathParaPr>
@@ -20659,7 +20644,7 @@
             </p:txBody>
           </p:sp>
         </mc:Choice>
-        <mc:Fallback>
+        <mc:Fallback xmlns="">
           <p:sp>
             <p:nvSpPr>
               <p:cNvPr id="80" name="文本框 79">
@@ -20704,8 +20689,8 @@
           </p:sp>
         </mc:Fallback>
       </mc:AlternateContent>
-      <mc:AlternateContent xmlns:mc="http://schemas.openxmlformats.org/markup-compatibility/2006">
-        <mc:Choice xmlns:a14="http://schemas.microsoft.com/office/drawing/2010/main" Requires="a14">
+      <mc:AlternateContent xmlns:mc="http://schemas.openxmlformats.org/markup-compatibility/2006" xmlns:a14="http://schemas.microsoft.com/office/drawing/2010/main">
+        <mc:Choice Requires="a14">
           <p:sp>
             <p:nvSpPr>
               <p:cNvPr id="81" name="文本框 80">
@@ -20734,6 +20719,7 @@
               </a:bodyPr>
               <a:lstStyle/>
               <a:p>
+                <a:pPr/>
                 <a14:m>
                   <m:oMathPara xmlns:m="http://schemas.openxmlformats.org/officeDocument/2006/math">
                     <m:oMathParaPr>
@@ -20761,7 +20747,7 @@
             </p:txBody>
           </p:sp>
         </mc:Choice>
-        <mc:Fallback>
+        <mc:Fallback xmlns="">
           <p:sp>
             <p:nvSpPr>
               <p:cNvPr id="81" name="文本框 80">
@@ -20806,8 +20792,8 @@
           </p:sp>
         </mc:Fallback>
       </mc:AlternateContent>
-      <mc:AlternateContent xmlns:mc="http://schemas.openxmlformats.org/markup-compatibility/2006">
-        <mc:Choice xmlns:a14="http://schemas.microsoft.com/office/drawing/2010/main" Requires="a14">
+      <mc:AlternateContent xmlns:mc="http://schemas.openxmlformats.org/markup-compatibility/2006" xmlns:a14="http://schemas.microsoft.com/office/drawing/2010/main">
+        <mc:Choice Requires="a14">
           <p:sp>
             <p:nvSpPr>
               <p:cNvPr id="82" name="文本框 81">
@@ -20836,6 +20822,7 @@
               </a:bodyPr>
               <a:lstStyle/>
               <a:p>
+                <a:pPr/>
                 <a14:m>
                   <m:oMathPara xmlns:m="http://schemas.openxmlformats.org/officeDocument/2006/math">
                     <m:oMathParaPr>
@@ -20878,7 +20865,7 @@
             </p:txBody>
           </p:sp>
         </mc:Choice>
-        <mc:Fallback>
+        <mc:Fallback xmlns="">
           <p:sp>
             <p:nvSpPr>
               <p:cNvPr id="82" name="文本框 81">
@@ -20967,8 +20954,8 @@
           </a:fontRef>
         </p:style>
       </p:cxnSp>
-      <mc:AlternateContent xmlns:mc="http://schemas.openxmlformats.org/markup-compatibility/2006">
-        <mc:Choice xmlns:a14="http://schemas.microsoft.com/office/drawing/2010/main" Requires="a14">
+      <mc:AlternateContent xmlns:mc="http://schemas.openxmlformats.org/markup-compatibility/2006" xmlns:a14="http://schemas.microsoft.com/office/drawing/2010/main">
+        <mc:Choice Requires="a14">
           <p:sp>
             <p:nvSpPr>
               <p:cNvPr id="86" name="文本框 85">
@@ -20997,6 +20984,7 @@
               </a:bodyPr>
               <a:lstStyle/>
               <a:p>
+                <a:pPr/>
                 <a14:m>
                   <m:oMathPara xmlns:m="http://schemas.openxmlformats.org/officeDocument/2006/math">
                     <m:oMathParaPr>
@@ -21064,7 +21052,7 @@
             </p:txBody>
           </p:sp>
         </mc:Choice>
-        <mc:Fallback>
+        <mc:Fallback xmlns="">
           <p:sp>
             <p:nvSpPr>
               <p:cNvPr id="86" name="文本框 85">
@@ -21153,8 +21141,8 @@
           </a:fontRef>
         </p:style>
       </p:cxnSp>
-      <mc:AlternateContent xmlns:mc="http://schemas.openxmlformats.org/markup-compatibility/2006">
-        <mc:Choice xmlns:a14="http://schemas.microsoft.com/office/drawing/2010/main" Requires="a14">
+      <mc:AlternateContent xmlns:mc="http://schemas.openxmlformats.org/markup-compatibility/2006" xmlns:a14="http://schemas.microsoft.com/office/drawing/2010/main">
+        <mc:Choice Requires="a14">
           <p:sp>
             <p:nvSpPr>
               <p:cNvPr id="89" name="文本框 88">
@@ -21183,6 +21171,7 @@
               </a:bodyPr>
               <a:lstStyle/>
               <a:p>
+                <a:pPr/>
                 <a14:m>
                   <m:oMathPara xmlns:m="http://schemas.openxmlformats.org/officeDocument/2006/math">
                     <m:oMathParaPr>
@@ -21250,7 +21239,7 @@
             </p:txBody>
           </p:sp>
         </mc:Choice>
-        <mc:Fallback>
+        <mc:Fallback xmlns="">
           <p:sp>
             <p:nvSpPr>
               <p:cNvPr id="89" name="文本框 88">
@@ -21337,8 +21326,8 @@
           </a:fontRef>
         </p:style>
       </p:cxnSp>
-      <mc:AlternateContent xmlns:mc="http://schemas.openxmlformats.org/markup-compatibility/2006">
-        <mc:Choice xmlns:a14="http://schemas.microsoft.com/office/drawing/2010/main" Requires="a14">
+      <mc:AlternateContent xmlns:mc="http://schemas.openxmlformats.org/markup-compatibility/2006" xmlns:a14="http://schemas.microsoft.com/office/drawing/2010/main">
+        <mc:Choice Requires="a14">
           <p:sp>
             <p:nvSpPr>
               <p:cNvPr id="92" name="文本框 91">
@@ -21367,6 +21356,7 @@
               </a:bodyPr>
               <a:lstStyle/>
               <a:p>
+                <a:pPr/>
                 <a14:m>
                   <m:oMathPara xmlns:m="http://schemas.openxmlformats.org/officeDocument/2006/math">
                     <m:oMathParaPr>
@@ -21409,7 +21399,7 @@
             </p:txBody>
           </p:sp>
         </mc:Choice>
-        <mc:Fallback>
+        <mc:Fallback xmlns="">
           <p:sp>
             <p:nvSpPr>
               <p:cNvPr id="92" name="文本框 91">
@@ -21539,8 +21529,8 @@
           </a:fontRef>
         </p:style>
       </p:cxnSp>
-      <mc:AlternateContent xmlns:mc="http://schemas.openxmlformats.org/markup-compatibility/2006">
-        <mc:Choice xmlns:a14="http://schemas.microsoft.com/office/drawing/2010/main" Requires="a14">
+      <mc:AlternateContent xmlns:mc="http://schemas.openxmlformats.org/markup-compatibility/2006" xmlns:a14="http://schemas.microsoft.com/office/drawing/2010/main">
+        <mc:Choice Requires="a14">
           <p:sp>
             <p:nvSpPr>
               <p:cNvPr id="104" name="文本框 103">
@@ -21569,6 +21559,7 @@
               </a:bodyPr>
               <a:lstStyle/>
               <a:p>
+                <a:pPr/>
                 <a14:m>
                   <m:oMathPara xmlns:m="http://schemas.openxmlformats.org/officeDocument/2006/math">
                     <m:oMathParaPr>
@@ -21617,7 +21608,7 @@
             </p:txBody>
           </p:sp>
         </mc:Choice>
-        <mc:Fallback>
+        <mc:Fallback xmlns="">
           <p:sp>
             <p:nvSpPr>
               <p:cNvPr id="104" name="文本框 103">
@@ -21813,8 +21804,8 @@
           </a:fontRef>
         </p:style>
       </p:cxnSp>
-      <mc:AlternateContent xmlns:mc="http://schemas.openxmlformats.org/markup-compatibility/2006">
-        <mc:Choice xmlns:a14="http://schemas.microsoft.com/office/drawing/2010/main" Requires="a14">
+      <mc:AlternateContent xmlns:mc="http://schemas.openxmlformats.org/markup-compatibility/2006" xmlns:a14="http://schemas.microsoft.com/office/drawing/2010/main">
+        <mc:Choice Requires="a14">
           <p:sp>
             <p:nvSpPr>
               <p:cNvPr id="108" name="文本框 107">
@@ -21843,6 +21834,7 @@
               </a:bodyPr>
               <a:lstStyle/>
               <a:p>
+                <a:pPr/>
                 <a14:m>
                   <m:oMathPara xmlns:m="http://schemas.openxmlformats.org/officeDocument/2006/math">
                     <m:oMathParaPr>
@@ -21910,7 +21902,7 @@
             </p:txBody>
           </p:sp>
         </mc:Choice>
-        <mc:Fallback>
+        <mc:Fallback xmlns="">
           <p:sp>
             <p:nvSpPr>
               <p:cNvPr id="108" name="文本框 107">
@@ -21955,8 +21947,8 @@
           </p:sp>
         </mc:Fallback>
       </mc:AlternateContent>
-      <mc:AlternateContent xmlns:mc="http://schemas.openxmlformats.org/markup-compatibility/2006">
-        <mc:Choice xmlns:a14="http://schemas.microsoft.com/office/drawing/2010/main" Requires="a14">
+      <mc:AlternateContent xmlns:mc="http://schemas.openxmlformats.org/markup-compatibility/2006" xmlns:a14="http://schemas.microsoft.com/office/drawing/2010/main">
+        <mc:Choice Requires="a14">
           <p:sp>
             <p:nvSpPr>
               <p:cNvPr id="112" name="文本框 111">
@@ -22171,7 +22163,7 @@
             </p:txBody>
           </p:sp>
         </mc:Choice>
-        <mc:Fallback>
+        <mc:Fallback xmlns="">
           <p:sp>
             <p:nvSpPr>
               <p:cNvPr id="112" name="文本框 111">
@@ -22619,8 +22611,8 @@
           </a:fontRef>
         </p:style>
       </p:cxnSp>
-      <mc:AlternateContent xmlns:mc="http://schemas.openxmlformats.org/markup-compatibility/2006">
-        <mc:Choice xmlns:a14="http://schemas.microsoft.com/office/drawing/2010/main" Requires="a14">
+      <mc:AlternateContent xmlns:mc="http://schemas.openxmlformats.org/markup-compatibility/2006" xmlns:a14="http://schemas.microsoft.com/office/drawing/2010/main">
+        <mc:Choice Requires="a14">
           <p:sp>
             <p:nvSpPr>
               <p:cNvPr id="125" name="文本框 124">
@@ -22649,6 +22641,7 @@
               </a:bodyPr>
               <a:lstStyle/>
               <a:p>
+                <a:pPr/>
                 <a14:m>
                   <m:oMathPara xmlns:m="http://schemas.openxmlformats.org/officeDocument/2006/math">
                     <m:oMathParaPr>
@@ -22755,6 +22748,7 @@
                 </a:endParaRPr>
               </a:p>
               <a:p>
+                <a:pPr/>
                 <a14:m>
                   <m:oMathPara xmlns:m="http://schemas.openxmlformats.org/officeDocument/2006/math">
                     <m:oMathParaPr>
@@ -22800,7 +22794,7 @@
             </p:txBody>
           </p:sp>
         </mc:Choice>
-        <mc:Fallback>
+        <mc:Fallback xmlns="">
           <p:sp>
             <p:nvSpPr>
               <p:cNvPr id="125" name="文本框 124">
@@ -22933,8 +22927,8 @@
             </a:p>
           </p:txBody>
         </p:sp>
-        <mc:AlternateContent xmlns:mc="http://schemas.openxmlformats.org/markup-compatibility/2006">
-          <mc:Choice xmlns:a14="http://schemas.microsoft.com/office/drawing/2010/main" Requires="a14">
+        <mc:AlternateContent xmlns:mc="http://schemas.openxmlformats.org/markup-compatibility/2006" xmlns:a14="http://schemas.microsoft.com/office/drawing/2010/main">
+          <mc:Choice Requires="a14">
             <p:sp>
               <p:nvSpPr>
                 <p:cNvPr id="128" name="文本框 127">
@@ -22963,6 +22957,7 @@
                 </a:bodyPr>
                 <a:lstStyle/>
                 <a:p>
+                  <a:pPr/>
                   <a14:m>
                     <m:oMathPara xmlns:m="http://schemas.openxmlformats.org/officeDocument/2006/math">
                       <m:oMathParaPr>
@@ -23030,7 +23025,7 @@
               </p:txBody>
             </p:sp>
           </mc:Choice>
-          <mc:Fallback>
+          <mc:Fallback xmlns="">
             <p:sp>
               <p:nvSpPr>
                 <p:cNvPr id="128" name="文本框 127">
@@ -23075,8 +23070,8 @@
             </p:sp>
           </mc:Fallback>
         </mc:AlternateContent>
-        <mc:AlternateContent xmlns:mc="http://schemas.openxmlformats.org/markup-compatibility/2006">
-          <mc:Choice xmlns:a14="http://schemas.microsoft.com/office/drawing/2010/main" Requires="a14">
+        <mc:AlternateContent xmlns:mc="http://schemas.openxmlformats.org/markup-compatibility/2006" xmlns:a14="http://schemas.microsoft.com/office/drawing/2010/main">
+          <mc:Choice Requires="a14">
             <p:sp>
               <p:nvSpPr>
                 <p:cNvPr id="129" name="文本框 128">
@@ -23105,6 +23100,7 @@
                 </a:bodyPr>
                 <a:lstStyle/>
                 <a:p>
+                  <a:pPr/>
                   <a14:m>
                     <m:oMathPara xmlns:m="http://schemas.openxmlformats.org/officeDocument/2006/math">
                       <m:oMathParaPr>
@@ -23172,7 +23168,7 @@
               </p:txBody>
             </p:sp>
           </mc:Choice>
-          <mc:Fallback>
+          <mc:Fallback xmlns="">
             <p:sp>
               <p:nvSpPr>
                 <p:cNvPr id="129" name="文本框 128">
@@ -23217,8 +23213,8 @@
             </p:sp>
           </mc:Fallback>
         </mc:AlternateContent>
-        <mc:AlternateContent xmlns:mc="http://schemas.openxmlformats.org/markup-compatibility/2006">
-          <mc:Choice xmlns:a14="http://schemas.microsoft.com/office/drawing/2010/main" Requires="a14">
+        <mc:AlternateContent xmlns:mc="http://schemas.openxmlformats.org/markup-compatibility/2006" xmlns:a14="http://schemas.microsoft.com/office/drawing/2010/main">
+          <mc:Choice Requires="a14">
             <p:sp>
               <p:nvSpPr>
                 <p:cNvPr id="130" name="文本框 129">
@@ -23247,6 +23243,7 @@
                 </a:bodyPr>
                 <a:lstStyle/>
                 <a:p>
+                  <a:pPr/>
                   <a14:m>
                     <m:oMathPara xmlns:m="http://schemas.openxmlformats.org/officeDocument/2006/math">
                       <m:oMathParaPr>
@@ -23314,7 +23311,7 @@
               </p:txBody>
             </p:sp>
           </mc:Choice>
-          <mc:Fallback>
+          <mc:Fallback xmlns="">
             <p:sp>
               <p:nvSpPr>
                 <p:cNvPr id="130" name="文本框 129">
@@ -23465,8 +23462,8 @@
           </a:fontRef>
         </p:style>
       </p:cxnSp>
-      <mc:AlternateContent xmlns:mc="http://schemas.openxmlformats.org/markup-compatibility/2006">
-        <mc:Choice xmlns:a14="http://schemas.microsoft.com/office/drawing/2010/main" Requires="a14">
+      <mc:AlternateContent xmlns:mc="http://schemas.openxmlformats.org/markup-compatibility/2006" xmlns:a14="http://schemas.microsoft.com/office/drawing/2010/main">
+        <mc:Choice Requires="a14">
           <p:sp>
             <p:nvSpPr>
               <p:cNvPr id="138" name="文本框 137">
@@ -23495,6 +23492,7 @@
               </a:bodyPr>
               <a:lstStyle/>
               <a:p>
+                <a:pPr/>
                 <a14:m>
                   <m:oMathPara xmlns:m="http://schemas.openxmlformats.org/officeDocument/2006/math">
                     <m:oMathParaPr>
@@ -23562,7 +23560,7 @@
             </p:txBody>
           </p:sp>
         </mc:Choice>
-        <mc:Fallback>
+        <mc:Fallback xmlns="">
           <p:sp>
             <p:nvSpPr>
               <p:cNvPr id="138" name="文本框 137">
@@ -23651,8 +23649,8 @@
           </a:fontRef>
         </p:style>
       </p:cxnSp>
-      <mc:AlternateContent xmlns:mc="http://schemas.openxmlformats.org/markup-compatibility/2006">
-        <mc:Choice xmlns:a14="http://schemas.microsoft.com/office/drawing/2010/main" Requires="a14">
+      <mc:AlternateContent xmlns:mc="http://schemas.openxmlformats.org/markup-compatibility/2006" xmlns:a14="http://schemas.microsoft.com/office/drawing/2010/main">
+        <mc:Choice Requires="a14">
           <p:sp>
             <p:nvSpPr>
               <p:cNvPr id="140" name="文本框 139">
@@ -23681,6 +23679,7 @@
               </a:bodyPr>
               <a:lstStyle/>
               <a:p>
+                <a:pPr/>
                 <a14:m>
                   <m:oMathPara xmlns:m="http://schemas.openxmlformats.org/officeDocument/2006/math">
                     <m:oMathParaPr>
@@ -23748,7 +23747,7 @@
             </p:txBody>
           </p:sp>
         </mc:Choice>
-        <mc:Fallback>
+        <mc:Fallback xmlns="">
           <p:sp>
             <p:nvSpPr>
               <p:cNvPr id="140" name="文本框 139">
@@ -23835,8 +23834,8 @@
           </a:fontRef>
         </p:style>
       </p:cxnSp>
-      <mc:AlternateContent xmlns:mc="http://schemas.openxmlformats.org/markup-compatibility/2006">
-        <mc:Choice xmlns:a14="http://schemas.microsoft.com/office/drawing/2010/main" Requires="a14">
+      <mc:AlternateContent xmlns:mc="http://schemas.openxmlformats.org/markup-compatibility/2006" xmlns:a14="http://schemas.microsoft.com/office/drawing/2010/main">
+        <mc:Choice Requires="a14">
           <p:sp>
             <p:nvSpPr>
               <p:cNvPr id="142" name="文本框 141">
@@ -23865,6 +23864,7 @@
               </a:bodyPr>
               <a:lstStyle/>
               <a:p>
+                <a:pPr/>
                 <a14:m>
                   <m:oMathPara xmlns:m="http://schemas.openxmlformats.org/officeDocument/2006/math">
                     <m:oMathParaPr>
@@ -23907,7 +23907,7 @@
             </p:txBody>
           </p:sp>
         </mc:Choice>
-        <mc:Fallback>
+        <mc:Fallback xmlns="">
           <p:sp>
             <p:nvSpPr>
               <p:cNvPr id="142" name="文本框 141">
@@ -23952,8 +23952,8 @@
           </p:sp>
         </mc:Fallback>
       </mc:AlternateContent>
-      <mc:AlternateContent xmlns:mc="http://schemas.openxmlformats.org/markup-compatibility/2006">
-        <mc:Choice xmlns:a14="http://schemas.microsoft.com/office/drawing/2010/main" Requires="a14">
+      <mc:AlternateContent xmlns:mc="http://schemas.openxmlformats.org/markup-compatibility/2006" xmlns:a14="http://schemas.microsoft.com/office/drawing/2010/main">
+        <mc:Choice Requires="a14">
           <p:sp>
             <p:nvSpPr>
               <p:cNvPr id="143" name="文本框 142">
@@ -23982,6 +23982,7 @@
               </a:bodyPr>
               <a:lstStyle/>
               <a:p>
+                <a:pPr/>
                 <a14:m>
                   <m:oMathPara xmlns:m="http://schemas.openxmlformats.org/officeDocument/2006/math">
                     <m:oMathParaPr>
@@ -24138,6 +24139,7 @@
                 </a:endParaRPr>
               </a:p>
               <a:p>
+                <a:pPr/>
                 <a14:m>
                   <m:oMathPara xmlns:m="http://schemas.openxmlformats.org/officeDocument/2006/math">
                     <m:oMathParaPr>
@@ -24164,16 +24166,7 @@
                               </a:solidFill>
                               <a:latin typeface="Cambria Math" panose="02040503050406030204" pitchFamily="18" charset="0"/>
                             </a:rPr>
-                            <m:t>𝑠</m:t>
-                          </m:r>
-                          <m:r>
-                            <a:rPr lang="en-US" altLang="zh-CN" b="0" i="1" smtClean="0">
-                              <a:solidFill>
-                                <a:schemeClr val="tx1"/>
-                              </a:solidFill>
-                              <a:latin typeface="Cambria Math" panose="02040503050406030204" pitchFamily="18" charset="0"/>
-                            </a:rPr>
-                            <m:t>𝑡</m:t>
+                            <m:t>𝑠𝑡</m:t>
                           </m:r>
                         </m:e>
                       </m:acc>
@@ -24189,7 +24182,7 @@
                       <m:d>
                         <m:dPr>
                           <m:ctrlPr>
-                            <a:rPr lang="en-US" altLang="zh-CN" b="0" i="0" smtClean="0">
+                            <a:rPr lang="en-US" altLang="zh-CN" b="0" i="1" smtClean="0">
                               <a:solidFill>
                                 <a:schemeClr val="tx1"/>
                               </a:solidFill>
@@ -24239,7 +24232,7 @@
                       <m:sSub>
                         <m:sSubPr>
                           <m:ctrlPr>
-                            <a:rPr lang="en-US" altLang="zh-CN" b="0" i="0" smtClean="0">
+                            <a:rPr lang="en-US" altLang="zh-CN" b="0" i="1" smtClean="0">
                               <a:latin typeface="Cambria Math" panose="02040503050406030204" pitchFamily="18" charset="0"/>
                             </a:rPr>
                           </m:ctrlPr>
@@ -24288,7 +24281,7 @@
                       <m:sSub>
                         <m:sSubPr>
                           <m:ctrlPr>
-                            <a:rPr lang="en-US" altLang="zh-CN" b="0" i="0" smtClean="0">
+                            <a:rPr lang="en-US" altLang="zh-CN" b="0" i="1" smtClean="0">
                               <a:latin typeface="Cambria Math" panose="02040503050406030204" pitchFamily="18" charset="0"/>
                             </a:rPr>
                           </m:ctrlPr>
@@ -24383,7 +24376,7 @@
             </p:txBody>
           </p:sp>
         </mc:Choice>
-        <mc:Fallback>
+        <mc:Fallback xmlns="">
           <p:sp>
             <p:nvSpPr>
               <p:cNvPr id="143" name="文本框 142">
@@ -24759,8 +24752,8 @@
             </a:p>
           </p:txBody>
         </p:sp>
-        <mc:AlternateContent xmlns:mc="http://schemas.openxmlformats.org/markup-compatibility/2006">
-          <mc:Choice xmlns:a14="http://schemas.microsoft.com/office/drawing/2010/main" Requires="a14">
+        <mc:AlternateContent xmlns:mc="http://schemas.openxmlformats.org/markup-compatibility/2006" xmlns:a14="http://schemas.microsoft.com/office/drawing/2010/main">
+          <mc:Choice Requires="a14">
             <p:sp>
               <p:nvSpPr>
                 <p:cNvPr id="9" name="文本框 8">
@@ -24789,6 +24782,7 @@
                 </a:bodyPr>
                 <a:lstStyle/>
                 <a:p>
+                  <a:pPr/>
                   <a14:m>
                     <m:oMathPara xmlns:m="http://schemas.openxmlformats.org/officeDocument/2006/math">
                       <m:oMathParaPr>
@@ -24816,7 +24810,7 @@
               </p:txBody>
             </p:sp>
           </mc:Choice>
-          <mc:Fallback>
+          <mc:Fallback xmlns="">
             <p:sp>
               <p:nvSpPr>
                 <p:cNvPr id="9" name="文本框 8">
@@ -24861,8 +24855,8 @@
             </p:sp>
           </mc:Fallback>
         </mc:AlternateContent>
-        <mc:AlternateContent xmlns:mc="http://schemas.openxmlformats.org/markup-compatibility/2006">
-          <mc:Choice xmlns:a14="http://schemas.microsoft.com/office/drawing/2010/main" Requires="a14">
+        <mc:AlternateContent xmlns:mc="http://schemas.openxmlformats.org/markup-compatibility/2006" xmlns:a14="http://schemas.microsoft.com/office/drawing/2010/main">
+          <mc:Choice Requires="a14">
             <p:sp>
               <p:nvSpPr>
                 <p:cNvPr id="13" name="文本框 12">
@@ -24891,6 +24885,7 @@
                 </a:bodyPr>
                 <a:lstStyle/>
                 <a:p>
+                  <a:pPr/>
                   <a14:m>
                     <m:oMathPara xmlns:m="http://schemas.openxmlformats.org/officeDocument/2006/math">
                       <m:oMathParaPr>
@@ -24933,7 +24928,7 @@
               </p:txBody>
             </p:sp>
           </mc:Choice>
-          <mc:Fallback>
+          <mc:Fallback xmlns="">
             <p:sp>
               <p:nvSpPr>
                 <p:cNvPr id="13" name="文本框 12">
@@ -25066,8 +25061,8 @@
             </a:fontRef>
           </p:style>
         </p:cxnSp>
-        <mc:AlternateContent xmlns:mc="http://schemas.openxmlformats.org/markup-compatibility/2006">
-          <mc:Choice xmlns:a14="http://schemas.microsoft.com/office/drawing/2010/main" Requires="a14">
+        <mc:AlternateContent xmlns:mc="http://schemas.openxmlformats.org/markup-compatibility/2006" xmlns:a14="http://schemas.microsoft.com/office/drawing/2010/main">
+          <mc:Choice Requires="a14">
             <p:sp>
               <p:nvSpPr>
                 <p:cNvPr id="16" name="文本框 15">
@@ -25096,6 +25091,7 @@
                 </a:bodyPr>
                 <a:lstStyle/>
                 <a:p>
+                  <a:pPr/>
                   <a14:m>
                     <m:oMathPara xmlns:m="http://schemas.openxmlformats.org/officeDocument/2006/math">
                       <m:oMathParaPr>
@@ -25147,7 +25143,7 @@
               </p:txBody>
             </p:sp>
           </mc:Choice>
-          <mc:Fallback>
+          <mc:Fallback xmlns="">
             <p:sp>
               <p:nvSpPr>
                 <p:cNvPr id="16" name="文本框 15">
@@ -25395,8 +25391,8 @@
             </a:fontRef>
           </p:style>
         </p:cxnSp>
-        <mc:AlternateContent xmlns:mc="http://schemas.openxmlformats.org/markup-compatibility/2006">
-          <mc:Choice xmlns:a14="http://schemas.microsoft.com/office/drawing/2010/main" Requires="a14">
+        <mc:AlternateContent xmlns:mc="http://schemas.openxmlformats.org/markup-compatibility/2006" xmlns:a14="http://schemas.microsoft.com/office/drawing/2010/main">
+          <mc:Choice Requires="a14">
             <p:sp>
               <p:nvSpPr>
                 <p:cNvPr id="26" name="文本框 25">
@@ -25425,6 +25421,7 @@
                 </a:bodyPr>
                 <a:lstStyle/>
                 <a:p>
+                  <a:pPr/>
                   <a14:m>
                     <m:oMathPara xmlns:m="http://schemas.openxmlformats.org/officeDocument/2006/math">
                       <m:oMathParaPr>
@@ -25510,7 +25507,7 @@
               </p:txBody>
             </p:sp>
           </mc:Choice>
-          <mc:Fallback>
+          <mc:Fallback xmlns="">
             <p:sp>
               <p:nvSpPr>
                 <p:cNvPr id="26" name="文本框 25">
@@ -25605,8 +25602,8 @@
             </a:p>
           </p:txBody>
         </p:sp>
-        <mc:AlternateContent xmlns:mc="http://schemas.openxmlformats.org/markup-compatibility/2006">
-          <mc:Choice xmlns:a14="http://schemas.microsoft.com/office/drawing/2010/main" Requires="a14">
+        <mc:AlternateContent xmlns:mc="http://schemas.openxmlformats.org/markup-compatibility/2006" xmlns:a14="http://schemas.microsoft.com/office/drawing/2010/main">
+          <mc:Choice Requires="a14">
             <p:sp>
               <p:nvSpPr>
                 <p:cNvPr id="28" name="文本框 27">
@@ -25635,6 +25632,7 @@
                 </a:bodyPr>
                 <a:lstStyle/>
                 <a:p>
+                  <a:pPr/>
                   <a14:m>
                     <m:oMathPara xmlns:m="http://schemas.openxmlformats.org/officeDocument/2006/math">
                       <m:oMathParaPr>
@@ -25687,7 +25685,7 @@
               </p:txBody>
             </p:sp>
           </mc:Choice>
-          <mc:Fallback>
+          <mc:Fallback xmlns="">
             <p:sp>
               <p:nvSpPr>
                 <p:cNvPr id="28" name="文本框 27">
@@ -26006,8 +26004,8 @@
           </a:fontRef>
         </p:style>
       </p:cxnSp>
-      <mc:AlternateContent xmlns:mc="http://schemas.openxmlformats.org/markup-compatibility/2006">
-        <mc:Choice xmlns:a14="http://schemas.microsoft.com/office/drawing/2010/main" Requires="a14">
+      <mc:AlternateContent xmlns:mc="http://schemas.openxmlformats.org/markup-compatibility/2006" xmlns:a14="http://schemas.microsoft.com/office/drawing/2010/main">
+        <mc:Choice Requires="a14">
           <p:sp>
             <p:nvSpPr>
               <p:cNvPr id="41" name="文本框 40">
@@ -26036,6 +26034,7 @@
               </a:bodyPr>
               <a:lstStyle/>
               <a:p>
+                <a:pPr/>
                 <a14:m>
                   <m:oMathPara xmlns:m="http://schemas.openxmlformats.org/officeDocument/2006/math">
                     <m:oMathParaPr>
@@ -26121,7 +26120,7 @@
             </p:txBody>
           </p:sp>
         </mc:Choice>
-        <mc:Fallback>
+        <mc:Fallback xmlns="">
           <p:sp>
             <p:nvSpPr>
               <p:cNvPr id="41" name="文本框 40">
@@ -26378,8 +26377,8 @@
           </a:fontRef>
         </p:style>
       </p:cxnSp>
-      <mc:AlternateContent xmlns:mc="http://schemas.openxmlformats.org/markup-compatibility/2006">
-        <mc:Choice xmlns:a14="http://schemas.microsoft.com/office/drawing/2010/main" Requires="a14">
+      <mc:AlternateContent xmlns:mc="http://schemas.openxmlformats.org/markup-compatibility/2006" xmlns:a14="http://schemas.microsoft.com/office/drawing/2010/main">
+        <mc:Choice Requires="a14">
           <p:sp>
             <p:nvSpPr>
               <p:cNvPr id="51" name="文本框 50">
@@ -26408,6 +26407,7 @@
               </a:bodyPr>
               <a:lstStyle/>
               <a:p>
+                <a:pPr/>
                 <a14:m>
                   <m:oMathPara xmlns:m="http://schemas.openxmlformats.org/officeDocument/2006/math">
                     <m:oMathParaPr>
@@ -26493,7 +26493,7 @@
             </p:txBody>
           </p:sp>
         </mc:Choice>
-        <mc:Fallback>
+        <mc:Fallback xmlns="">
           <p:sp>
             <p:nvSpPr>
               <p:cNvPr id="51" name="文本框 50">
@@ -26582,8 +26582,8 @@
           </a:fontRef>
         </p:style>
       </p:cxnSp>
-      <mc:AlternateContent xmlns:mc="http://schemas.openxmlformats.org/markup-compatibility/2006">
-        <mc:Choice xmlns:a14="http://schemas.microsoft.com/office/drawing/2010/main" Requires="a14">
+      <mc:AlternateContent xmlns:mc="http://schemas.openxmlformats.org/markup-compatibility/2006" xmlns:a14="http://schemas.microsoft.com/office/drawing/2010/main">
+        <mc:Choice Requires="a14">
           <p:sp>
             <p:nvSpPr>
               <p:cNvPr id="55" name="文本框 54">
@@ -26612,6 +26612,7 @@
               </a:bodyPr>
               <a:lstStyle/>
               <a:p>
+                <a:pPr/>
                 <a14:m>
                   <m:oMathPara xmlns:m="http://schemas.openxmlformats.org/officeDocument/2006/math">
                     <m:oMathParaPr>
@@ -26654,7 +26655,7 @@
             </p:txBody>
           </p:sp>
         </mc:Choice>
-        <mc:Fallback>
+        <mc:Fallback xmlns="">
           <p:sp>
             <p:nvSpPr>
               <p:cNvPr id="55" name="文本框 54">
@@ -26699,8 +26700,8 @@
           </p:sp>
         </mc:Fallback>
       </mc:AlternateContent>
-      <mc:AlternateContent xmlns:mc="http://schemas.openxmlformats.org/markup-compatibility/2006">
-        <mc:Choice xmlns:a14="http://schemas.microsoft.com/office/drawing/2010/main" Requires="a14">
+      <mc:AlternateContent xmlns:mc="http://schemas.openxmlformats.org/markup-compatibility/2006" xmlns:a14="http://schemas.microsoft.com/office/drawing/2010/main">
+        <mc:Choice Requires="a14">
           <p:sp>
             <p:nvSpPr>
               <p:cNvPr id="61" name="文本框 60">
@@ -26862,6 +26863,7 @@
                 </a:endParaRPr>
               </a:p>
               <a:p>
+                <a:pPr/>
                 <a14:m>
                   <m:oMathPara xmlns:m="http://schemas.openxmlformats.org/officeDocument/2006/math">
                     <m:oMathParaPr>
@@ -27038,7 +27040,7 @@
             </p:txBody>
           </p:sp>
         </mc:Choice>
-        <mc:Fallback>
+        <mc:Fallback xmlns="">
           <p:sp>
             <p:nvSpPr>
               <p:cNvPr id="61" name="文本框 60">
@@ -27422,8 +27424,8 @@
           </a:fontRef>
         </p:style>
       </p:cxnSp>
-      <mc:AlternateContent xmlns:mc="http://schemas.openxmlformats.org/markup-compatibility/2006">
-        <mc:Choice xmlns:a14="http://schemas.microsoft.com/office/drawing/2010/main" Requires="a14">
+      <mc:AlternateContent xmlns:mc="http://schemas.openxmlformats.org/markup-compatibility/2006" xmlns:a14="http://schemas.microsoft.com/office/drawing/2010/main">
+        <mc:Choice Requires="a14">
           <p:sp>
             <p:nvSpPr>
               <p:cNvPr id="84" name="文本框 83">
@@ -27452,6 +27454,7 @@
               </a:bodyPr>
               <a:lstStyle/>
               <a:p>
+                <a:pPr/>
                 <a14:m>
                   <m:oMathPara xmlns:m="http://schemas.openxmlformats.org/officeDocument/2006/math">
                     <m:oMathParaPr>
@@ -27494,7 +27497,7 @@
             </p:txBody>
           </p:sp>
         </mc:Choice>
-        <mc:Fallback>
+        <mc:Fallback xmlns="">
           <p:sp>
             <p:nvSpPr>
               <p:cNvPr id="84" name="文本框 83">
@@ -27907,8 +27910,8 @@
           </a:fontRef>
         </p:style>
       </p:cxnSp>
-      <mc:AlternateContent xmlns:mc="http://schemas.openxmlformats.org/markup-compatibility/2006">
-        <mc:Choice xmlns:a14="http://schemas.microsoft.com/office/drawing/2010/main" Requires="a14">
+      <mc:AlternateContent xmlns:mc="http://schemas.openxmlformats.org/markup-compatibility/2006" xmlns:a14="http://schemas.microsoft.com/office/drawing/2010/main">
+        <mc:Choice Requires="a14">
           <p:sp>
             <p:nvSpPr>
               <p:cNvPr id="108" name="文本框 107">
@@ -27937,6 +27940,7 @@
               </a:bodyPr>
               <a:lstStyle/>
               <a:p>
+                <a:pPr/>
                 <a14:m>
                   <m:oMathPara xmlns:m="http://schemas.openxmlformats.org/officeDocument/2006/math">
                     <m:oMathParaPr>
@@ -27979,7 +27983,7 @@
             </p:txBody>
           </p:sp>
         </mc:Choice>
-        <mc:Fallback>
+        <mc:Fallback xmlns="">
           <p:sp>
             <p:nvSpPr>
               <p:cNvPr id="108" name="文本框 107">
@@ -28024,8 +28028,8 @@
           </p:sp>
         </mc:Fallback>
       </mc:AlternateContent>
-      <mc:AlternateContent xmlns:mc="http://schemas.openxmlformats.org/markup-compatibility/2006">
-        <mc:Choice xmlns:a14="http://schemas.microsoft.com/office/drawing/2010/main" Requires="a14">
+      <mc:AlternateContent xmlns:mc="http://schemas.openxmlformats.org/markup-compatibility/2006" xmlns:a14="http://schemas.microsoft.com/office/drawing/2010/main">
+        <mc:Choice Requires="a14">
           <p:sp>
             <p:nvSpPr>
               <p:cNvPr id="109" name="文本框 108">
@@ -28054,6 +28058,7 @@
               </a:bodyPr>
               <a:lstStyle/>
               <a:p>
+                <a:pPr/>
                 <a14:m>
                   <m:oMathPara xmlns:m="http://schemas.openxmlformats.org/officeDocument/2006/math">
                     <m:oMathParaPr>
@@ -28096,7 +28101,7 @@
             </p:txBody>
           </p:sp>
         </mc:Choice>
-        <mc:Fallback>
+        <mc:Fallback xmlns="">
           <p:sp>
             <p:nvSpPr>
               <p:cNvPr id="109" name="文本框 108">
@@ -28141,8 +28146,8 @@
           </p:sp>
         </mc:Fallback>
       </mc:AlternateContent>
-      <mc:AlternateContent xmlns:mc="http://schemas.openxmlformats.org/markup-compatibility/2006">
-        <mc:Choice xmlns:a14="http://schemas.microsoft.com/office/drawing/2010/main" Requires="a14">
+      <mc:AlternateContent xmlns:mc="http://schemas.openxmlformats.org/markup-compatibility/2006" xmlns:a14="http://schemas.microsoft.com/office/drawing/2010/main">
+        <mc:Choice Requires="a14">
           <p:sp>
             <p:nvSpPr>
               <p:cNvPr id="110" name="文本框 109">
@@ -28278,7 +28283,7 @@
             </p:txBody>
           </p:sp>
         </mc:Choice>
-        <mc:Fallback>
+        <mc:Fallback xmlns="">
           <p:sp>
             <p:nvSpPr>
               <p:cNvPr id="110" name="文本框 109">
@@ -28460,8 +28465,8 @@
           </a:p>
         </p:txBody>
       </p:sp>
-      <mc:AlternateContent xmlns:mc="http://schemas.openxmlformats.org/markup-compatibility/2006">
-        <mc:Choice xmlns:a14="http://schemas.microsoft.com/office/drawing/2010/main" Requires="a14">
+      <mc:AlternateContent xmlns:mc="http://schemas.openxmlformats.org/markup-compatibility/2006" xmlns:a14="http://schemas.microsoft.com/office/drawing/2010/main">
+        <mc:Choice Requires="a14">
           <p:sp>
             <p:nvSpPr>
               <p:cNvPr id="120" name="文本框 119">
@@ -28490,6 +28495,7 @@
               </a:bodyPr>
               <a:lstStyle/>
               <a:p>
+                <a:pPr/>
                 <a14:m>
                   <m:oMathPara xmlns:m="http://schemas.openxmlformats.org/officeDocument/2006/math">
                     <m:oMathParaPr>
@@ -28542,7 +28548,7 @@
             </p:txBody>
           </p:sp>
         </mc:Choice>
-        <mc:Fallback>
+        <mc:Fallback xmlns="">
           <p:sp>
             <p:nvSpPr>
               <p:cNvPr id="120" name="文本框 119">
@@ -28634,8 +28640,8 @@
           </a:p>
         </p:txBody>
       </p:sp>
-      <mc:AlternateContent xmlns:mc="http://schemas.openxmlformats.org/markup-compatibility/2006">
-        <mc:Choice xmlns:a14="http://schemas.microsoft.com/office/drawing/2010/main" Requires="a14">
+      <mc:AlternateContent xmlns:mc="http://schemas.openxmlformats.org/markup-compatibility/2006" xmlns:a14="http://schemas.microsoft.com/office/drawing/2010/main">
+        <mc:Choice Requires="a14">
           <p:sp>
             <p:nvSpPr>
               <p:cNvPr id="122" name="文本框 121">
@@ -28664,6 +28670,7 @@
               </a:bodyPr>
               <a:lstStyle/>
               <a:p>
+                <a:pPr/>
                 <a14:m>
                   <m:oMathPara xmlns:m="http://schemas.openxmlformats.org/officeDocument/2006/math">
                     <m:oMathParaPr>
@@ -28716,7 +28723,7 @@
             </p:txBody>
           </p:sp>
         </mc:Choice>
-        <mc:Fallback>
+        <mc:Fallback xmlns="">
           <p:sp>
             <p:nvSpPr>
               <p:cNvPr id="122" name="文本框 121">
@@ -28761,8 +28768,8 @@
           </p:sp>
         </mc:Fallback>
       </mc:AlternateContent>
-      <mc:AlternateContent xmlns:mc="http://schemas.openxmlformats.org/markup-compatibility/2006">
-        <mc:Choice xmlns:a14="http://schemas.microsoft.com/office/drawing/2010/main" Requires="a14">
+      <mc:AlternateContent xmlns:mc="http://schemas.openxmlformats.org/markup-compatibility/2006" xmlns:a14="http://schemas.microsoft.com/office/drawing/2010/main">
+        <mc:Choice Requires="a14">
           <p:sp>
             <p:nvSpPr>
               <p:cNvPr id="124" name="文本框 123">
@@ -28798,6 +28805,7 @@
                 <a:endParaRPr lang="en-US" altLang="zh-CN" sz="1400" dirty="0"/>
               </a:p>
               <a:p>
+                <a:pPr/>
                 <a14:m>
                   <m:oMathPara xmlns:m="http://schemas.openxmlformats.org/officeDocument/2006/math">
                     <m:oMathParaPr>
@@ -29013,7 +29021,7 @@
             </p:txBody>
           </p:sp>
         </mc:Choice>
-        <mc:Fallback>
+        <mc:Fallback xmlns="">
           <p:sp>
             <p:nvSpPr>
               <p:cNvPr id="124" name="文本框 123">
@@ -29442,8 +29450,8 @@
             </a:fontRef>
           </p:style>
         </p:cxnSp>
-        <mc:AlternateContent xmlns:mc="http://schemas.openxmlformats.org/markup-compatibility/2006">
-          <mc:Choice xmlns:a14="http://schemas.microsoft.com/office/drawing/2010/main" Requires="a14">
+        <mc:AlternateContent xmlns:mc="http://schemas.openxmlformats.org/markup-compatibility/2006" xmlns:a14="http://schemas.microsoft.com/office/drawing/2010/main">
+          <mc:Choice Requires="a14">
             <p:sp>
               <p:nvSpPr>
                 <p:cNvPr id="152" name="文本框 151">
@@ -29472,6 +29480,7 @@
                 </a:bodyPr>
                 <a:lstStyle/>
                 <a:p>
+                  <a:pPr/>
                   <a14:m>
                     <m:oMathPara xmlns:m="http://schemas.openxmlformats.org/officeDocument/2006/math">
                       <m:oMathParaPr>
@@ -29514,7 +29523,7 @@
               </p:txBody>
             </p:sp>
           </mc:Choice>
-          <mc:Fallback>
+          <mc:Fallback xmlns="">
             <p:sp>
               <p:nvSpPr>
                 <p:cNvPr id="152" name="文本框 151">
@@ -29559,8 +29568,8 @@
             </p:sp>
           </mc:Fallback>
         </mc:AlternateContent>
-        <mc:AlternateContent xmlns:mc="http://schemas.openxmlformats.org/markup-compatibility/2006">
-          <mc:Choice xmlns:a14="http://schemas.microsoft.com/office/drawing/2010/main" Requires="a14">
+        <mc:AlternateContent xmlns:mc="http://schemas.openxmlformats.org/markup-compatibility/2006" xmlns:a14="http://schemas.microsoft.com/office/drawing/2010/main">
+          <mc:Choice Requires="a14">
             <p:sp>
               <p:nvSpPr>
                 <p:cNvPr id="153" name="文本框 152">
@@ -29589,6 +29598,7 @@
                 </a:bodyPr>
                 <a:lstStyle/>
                 <a:p>
+                  <a:pPr/>
                   <a14:m>
                     <m:oMathPara xmlns:m="http://schemas.openxmlformats.org/officeDocument/2006/math">
                       <m:oMathParaPr>
@@ -29631,7 +29641,7 @@
               </p:txBody>
             </p:sp>
           </mc:Choice>
-          <mc:Fallback>
+          <mc:Fallback xmlns="">
             <p:sp>
               <p:nvSpPr>
                 <p:cNvPr id="153" name="文本框 152">
@@ -29813,8 +29823,8 @@
             </a:p>
           </p:txBody>
         </p:sp>
-        <mc:AlternateContent xmlns:mc="http://schemas.openxmlformats.org/markup-compatibility/2006">
-          <mc:Choice xmlns:a14="http://schemas.microsoft.com/office/drawing/2010/main" Requires="a14">
+        <mc:AlternateContent xmlns:mc="http://schemas.openxmlformats.org/markup-compatibility/2006" xmlns:a14="http://schemas.microsoft.com/office/drawing/2010/main">
+          <mc:Choice Requires="a14">
             <p:sp>
               <p:nvSpPr>
                 <p:cNvPr id="157" name="文本框 156">
@@ -29843,6 +29853,7 @@
                 </a:bodyPr>
                 <a:lstStyle/>
                 <a:p>
+                  <a:pPr/>
                   <a14:m>
                     <m:oMathPara xmlns:m="http://schemas.openxmlformats.org/officeDocument/2006/math">
                       <m:oMathParaPr>
@@ -29895,7 +29906,7 @@
               </p:txBody>
             </p:sp>
           </mc:Choice>
-          <mc:Fallback>
+          <mc:Fallback xmlns="">
             <p:sp>
               <p:nvSpPr>
                 <p:cNvPr id="157" name="文本框 156">
@@ -29987,8 +29998,8 @@
             </a:p>
           </p:txBody>
         </p:sp>
-        <mc:AlternateContent xmlns:mc="http://schemas.openxmlformats.org/markup-compatibility/2006">
-          <mc:Choice xmlns:a14="http://schemas.microsoft.com/office/drawing/2010/main" Requires="a14">
+        <mc:AlternateContent xmlns:mc="http://schemas.openxmlformats.org/markup-compatibility/2006" xmlns:a14="http://schemas.microsoft.com/office/drawing/2010/main">
+          <mc:Choice Requires="a14">
             <p:sp>
               <p:nvSpPr>
                 <p:cNvPr id="159" name="文本框 158">
@@ -30017,6 +30028,7 @@
                 </a:bodyPr>
                 <a:lstStyle/>
                 <a:p>
+                  <a:pPr/>
                   <a14:m>
                     <m:oMathPara xmlns:m="http://schemas.openxmlformats.org/officeDocument/2006/math">
                       <m:oMathParaPr>
@@ -30069,7 +30081,7 @@
               </p:txBody>
             </p:sp>
           </mc:Choice>
-          <mc:Fallback>
+          <mc:Fallback xmlns="">
             <p:sp>
               <p:nvSpPr>
                 <p:cNvPr id="159" name="文本框 158">
@@ -30114,8 +30126,8 @@
             </p:sp>
           </mc:Fallback>
         </mc:AlternateContent>
-        <mc:AlternateContent xmlns:mc="http://schemas.openxmlformats.org/markup-compatibility/2006">
-          <mc:Choice xmlns:a14="http://schemas.microsoft.com/office/drawing/2010/main" Requires="a14">
+        <mc:AlternateContent xmlns:mc="http://schemas.openxmlformats.org/markup-compatibility/2006" xmlns:a14="http://schemas.microsoft.com/office/drawing/2010/main">
+          <mc:Choice Requires="a14">
             <p:sp>
               <p:nvSpPr>
                 <p:cNvPr id="160" name="文本框 159">
@@ -30151,6 +30163,7 @@
                   <a:endParaRPr lang="en-US" altLang="zh-CN" sz="1400" dirty="0"/>
                 </a:p>
                 <a:p>
+                  <a:pPr/>
                   <a14:m>
                     <m:oMathPara xmlns:m="http://schemas.openxmlformats.org/officeDocument/2006/math">
                       <m:oMathParaPr>
@@ -30572,7 +30585,7 @@
                           <m:sSup>
                             <m:sSupPr>
                               <m:ctrlPr>
-                                <a:rPr lang="en-US" altLang="zh-CN" sz="1400" b="0" i="0" smtClean="0">
+                                <a:rPr lang="en-US" altLang="zh-CN" sz="1400" b="0" i="1" smtClean="0">
                                   <a:latin typeface="Cambria Math" panose="02040503050406030204" pitchFamily="18" charset="0"/>
                                 </a:rPr>
                               </m:ctrlPr>
@@ -30717,7 +30730,7 @@
               </p:txBody>
             </p:sp>
           </mc:Choice>
-          <mc:Fallback>
+          <mc:Fallback xmlns="">
             <p:sp>
               <p:nvSpPr>
                 <p:cNvPr id="160" name="文本框 159">
@@ -30762,8 +30775,8 @@
             </p:sp>
           </mc:Fallback>
         </mc:AlternateContent>
-        <mc:AlternateContent xmlns:mc="http://schemas.openxmlformats.org/markup-compatibility/2006">
-          <mc:Choice xmlns:a14="http://schemas.microsoft.com/office/drawing/2010/main" Requires="a14">
+        <mc:AlternateContent xmlns:mc="http://schemas.openxmlformats.org/markup-compatibility/2006" xmlns:a14="http://schemas.microsoft.com/office/drawing/2010/main">
+          <mc:Choice Requires="a14">
             <p:sp>
               <p:nvSpPr>
                 <p:cNvPr id="166" name="文本框 165">
@@ -30792,6 +30805,7 @@
                 </a:bodyPr>
                 <a:lstStyle/>
                 <a:p>
+                  <a:pPr/>
                   <a14:m>
                     <m:oMathPara xmlns:m="http://schemas.openxmlformats.org/officeDocument/2006/math">
                       <m:oMathParaPr>
@@ -30843,7 +30857,7 @@
               </p:txBody>
             </p:sp>
           </mc:Choice>
-          <mc:Fallback>
+          <mc:Fallback xmlns="">
             <p:sp>
               <p:nvSpPr>
                 <p:cNvPr id="166" name="文本框 165">
@@ -30888,8 +30902,8 @@
             </p:sp>
           </mc:Fallback>
         </mc:AlternateContent>
-        <mc:AlternateContent xmlns:mc="http://schemas.openxmlformats.org/markup-compatibility/2006">
-          <mc:Choice xmlns:a14="http://schemas.microsoft.com/office/drawing/2010/main" Requires="a14">
+        <mc:AlternateContent xmlns:mc="http://schemas.openxmlformats.org/markup-compatibility/2006" xmlns:a14="http://schemas.microsoft.com/office/drawing/2010/main">
+          <mc:Choice Requires="a14">
             <p:sp>
               <p:nvSpPr>
                 <p:cNvPr id="167" name="文本框 166">
@@ -31177,7 +31191,7 @@
               </p:txBody>
             </p:sp>
           </mc:Choice>
-          <mc:Fallback>
+          <mc:Fallback xmlns="">
             <p:sp>
               <p:nvSpPr>
                 <p:cNvPr id="167" name="文本框 166">
@@ -31222,8 +31236,8 @@
             </p:sp>
           </mc:Fallback>
         </mc:AlternateContent>
-        <mc:AlternateContent xmlns:mc="http://schemas.openxmlformats.org/markup-compatibility/2006">
-          <mc:Choice xmlns:a14="http://schemas.microsoft.com/office/drawing/2010/main" Requires="a14">
+        <mc:AlternateContent xmlns:mc="http://schemas.openxmlformats.org/markup-compatibility/2006" xmlns:a14="http://schemas.microsoft.com/office/drawing/2010/main">
+          <mc:Choice Requires="a14">
             <p:sp>
               <p:nvSpPr>
                 <p:cNvPr id="168" name="文本框 167">
@@ -31252,6 +31266,7 @@
                 </a:bodyPr>
                 <a:lstStyle/>
                 <a:p>
+                  <a:pPr/>
                   <a14:m>
                     <m:oMathPara xmlns:m="http://schemas.openxmlformats.org/officeDocument/2006/math">
                       <m:oMathParaPr>
@@ -31463,6 +31478,7 @@
                   <a:endParaRPr lang="en-US" altLang="zh-CN" sz="1400" dirty="0"/>
                 </a:p>
                 <a:p>
+                  <a:pPr/>
                   <a14:m>
                     <m:oMathPara xmlns:m="http://schemas.openxmlformats.org/officeDocument/2006/math">
                       <m:oMathParaPr>
@@ -31670,7 +31686,7 @@
               </p:txBody>
             </p:sp>
           </mc:Choice>
-          <mc:Fallback>
+          <mc:Fallback xmlns="">
             <p:sp>
               <p:nvSpPr>
                 <p:cNvPr id="168" name="文本框 167">
@@ -31759,8 +31775,8 @@
             </a:fontRef>
           </p:style>
         </p:cxnSp>
-        <mc:AlternateContent xmlns:mc="http://schemas.openxmlformats.org/markup-compatibility/2006">
-          <mc:Choice xmlns:a14="http://schemas.microsoft.com/office/drawing/2010/main" Requires="a14">
+        <mc:AlternateContent xmlns:mc="http://schemas.openxmlformats.org/markup-compatibility/2006" xmlns:a14="http://schemas.microsoft.com/office/drawing/2010/main">
+          <mc:Choice Requires="a14">
             <p:sp>
               <p:nvSpPr>
                 <p:cNvPr id="171" name="文本框 170">
@@ -31789,6 +31805,7 @@
                 </a:bodyPr>
                 <a:lstStyle/>
                 <a:p>
+                  <a:pPr/>
                   <a14:m>
                     <m:oMathPara xmlns:m="http://schemas.openxmlformats.org/officeDocument/2006/math">
                       <m:oMathParaPr>
@@ -31840,7 +31857,7 @@
               </p:txBody>
             </p:sp>
           </mc:Choice>
-          <mc:Fallback>
+          <mc:Fallback xmlns="">
             <p:sp>
               <p:nvSpPr>
                 <p:cNvPr id="171" name="文本框 170">
@@ -32014,8 +32031,8 @@
           </p:style>
         </p:cxnSp>
       </p:grpSp>
-      <mc:AlternateContent xmlns:mc="http://schemas.openxmlformats.org/markup-compatibility/2006">
-        <mc:Choice xmlns:a14="http://schemas.microsoft.com/office/drawing/2010/main" Requires="a14">
+      <mc:AlternateContent xmlns:mc="http://schemas.openxmlformats.org/markup-compatibility/2006" xmlns:a14="http://schemas.microsoft.com/office/drawing/2010/main">
+        <mc:Choice Requires="a14">
           <p:sp>
             <p:nvSpPr>
               <p:cNvPr id="183" name="文本框 182">
@@ -32044,6 +32061,7 @@
               </a:bodyPr>
               <a:lstStyle/>
               <a:p>
+                <a:pPr/>
                 <a14:m>
                   <m:oMathPara xmlns:m="http://schemas.openxmlformats.org/officeDocument/2006/math">
                     <m:oMathParaPr>
@@ -32432,6 +32450,7 @@
                 <a:endParaRPr lang="en-US" altLang="zh-CN" sz="1400" b="0" dirty="0"/>
               </a:p>
               <a:p>
+                <a:pPr/>
                 <a14:m>
                   <m:oMathPara xmlns:m="http://schemas.openxmlformats.org/officeDocument/2006/math">
                     <m:oMathParaPr>
@@ -32822,7 +32841,7 @@
             </p:txBody>
           </p:sp>
         </mc:Choice>
-        <mc:Fallback>
+        <mc:Fallback xmlns="">
           <p:sp>
             <p:nvSpPr>
               <p:cNvPr id="183" name="文本框 182">
